--- a/powerpoint/Tests/PitchItup.pptx
+++ b/powerpoint/Tests/PitchItup.pptx
@@ -10,6 +10,10 @@
     <p:sldId id="258" r:id="rId5"/>
     <p:sldId id="259" r:id="rId6"/>
     <p:sldId id="260" r:id="rId7"/>
+    <p:sldId id="261" r:id="rId8"/>
+    <p:sldId id="262" r:id="rId9"/>
+    <p:sldId id="263" r:id="rId10"/>
+    <p:sldId id="264" r:id="rId11"/>
   </p:sldIdLst>
   <p:sldSz cx="9144000" cy="6858000"/>
   <p:notesSz cx="6858000" cy="9144000"/>
@@ -2976,7 +2980,7 @@
         </p:nvSpPr>
         <p:spPr>
           <a:xfrm rot="0">
-            <a:off x="1524000" y="2381250"/>
+            <a:off x="3333750" y="4095750"/>
             <a:ext cx="5715000" cy="2857500"/>
           </a:xfrm>
           <a:prstGeom prst="rect"/>
@@ -2990,23 +2994,13 @@
           <a:p>
             <a:pPr algn="ctr" fontAlgn="base" indent="0" lvl="0"/>
             <a:r>
-              <a:rPr b="true" i="false" strike="noStrike" sz="6000" u="none">
+              <a:rPr b="true" i="false" strike="noStrike" sz="7200" u="none">
                 <a:solidFill>
                   <a:srgbClr val="00000"/>
                 </a:solidFill>
                 <a:latin typeface="Calibri"/>
               </a:rPr>
-              <a:t>Introduction to</a:t>
-            </a:r>
-            <a:br/>
-            <a:r>
-              <a:rPr b="true" i="false" strike="noStrike" sz="3800" u="none">
-                <a:solidFill>
-                  <a:srgbClr val="00000"/>
-                </a:solidFill>
-                <a:latin typeface="Calibri"/>
-              </a:rPr>
-              <a:t>PitchItup - A pitch deck nindot generator</a:t>
+              <a:t>"Team Bahug Taler"</a:t>
             </a:r>
           </a:p>
         </p:txBody>
@@ -3068,8 +3062,8 @@
         </p:nvSpPr>
         <p:spPr>
           <a:xfrm rot="0">
-            <a:off x="952500" y="2381250"/>
-            <a:ext cx="8858250" cy="952500"/>
+            <a:off x="1524000" y="2381250"/>
+            <a:ext cx="5715000" cy="2857500"/>
           </a:xfrm>
           <a:prstGeom prst="rect"/>
           <a:noFill/>
@@ -3080,58 +3074,25 @@
           </a:bodyPr>
           <a:lstStyle/>
           <a:p>
-            <a:pPr algn="l" fontAlgn="base" indent="0" lvl="0"/>
-            <a:r>
-              <a:rPr b="true" i="false" strike="noStrike" sz="4800" u="none">
+            <a:pPr algn="ctr" fontAlgn="base" indent="0" lvl="0"/>
+            <a:r>
+              <a:rPr b="true" i="false" strike="noStrike" sz="6000" u="none">
                 <a:solidFill>
                   <a:srgbClr val="00000"/>
                 </a:solidFill>
                 <a:latin typeface="Calibri"/>
               </a:rPr>
-              <a:t>What is the Problem ?</a:t>
-            </a:r>
-          </a:p>
-        </p:txBody>
-      </p:sp>
-      <p:sp>
-        <p:nvSpPr>
-          <p:cNvPr id="3" name=""/>
-          <p:cNvSpPr txBox="1"/>
-          <p:nvPr/>
-        </p:nvSpPr>
-        <p:spPr>
-          <a:xfrm rot="0">
-            <a:off x="952500" y="3810000"/>
-            <a:ext cx="8858250" cy="5715000"/>
-          </a:xfrm>
-          <a:prstGeom prst="rect"/>
-          <a:noFill/>
-        </p:spPr>
-        <p:txBody>
-          <a:bodyPr wrap="square" rtlCol="0">
-            <a:spAutoFit/>
-          </a:bodyPr>
-          <a:lstStyle/>
-          <a:p>
-            <a:pPr algn="l" fontAlgn="base" indent="0" lvl="0"/>
-            <a:r>
-              <a:rPr b="false" i="false" strike="noStrike" sz="3600" u="none">
+              <a:t>Introduction to</a:t>
+            </a:r>
+            <a:br/>
+            <a:r>
+              <a:rPr b="true" i="false" strike="noStrike" sz="3800" u="none">
                 <a:solidFill>
                   <a:srgbClr val="00000"/>
                 </a:solidFill>
                 <a:latin typeface="Calibri"/>
               </a:rPr>
-              <a:t>- Having hard time </a:t>
-            </a:r>
-            <a:br/>
-            <a:r>
-              <a:rPr b="false" i="false" strike="noStrike" sz="3600" u="none">
-                <a:solidFill>
-                  <a:srgbClr val="00000"/>
-                </a:solidFill>
-                <a:latin typeface="Calibri"/>
-              </a:rPr>
-              <a:t>-  dakog ulok</a:t>
+              <a:t>PitchItup - A pitch deck nindot generator</a:t>
             </a:r>
           </a:p>
         </p:txBody>
@@ -3193,7 +3154,7 @@
         </p:nvSpPr>
         <p:spPr>
           <a:xfrm rot="0">
-            <a:off x="95250" y="95250"/>
+            <a:off x="952500" y="2381250"/>
             <a:ext cx="8858250" cy="952500"/>
           </a:xfrm>
           <a:prstGeom prst="rect"/>
@@ -3213,7 +3174,7 @@
                 </a:solidFill>
                 <a:latin typeface="Calibri"/>
               </a:rPr>
-              <a:t>Our Solution </a:t>
+              <a:t>What is the Problem ?</a:t>
             </a:r>
           </a:p>
         </p:txBody>
@@ -3226,7 +3187,7 @@
         </p:nvSpPr>
         <p:spPr>
           <a:xfrm rot="0">
-            <a:off x="95250" y="952500"/>
+            <a:off x="952500" y="3810000"/>
             <a:ext cx="8858250" cy="5715000"/>
           </a:xfrm>
           <a:prstGeom prst="rect"/>
@@ -3240,13 +3201,13 @@
           <a:p>
             <a:pPr algn="l" fontAlgn="base" indent="0" lvl="0"/>
             <a:r>
-              <a:rPr b="false" i="false" strike="noStrike" sz="4200" u="none">
+              <a:rPr b="false" i="false" strike="noStrike" sz="3600" u="none">
                 <a:solidFill>
                   <a:srgbClr val="00000"/>
                 </a:solidFill>
                 <a:latin typeface="Calibri"/>
               </a:rPr>
-              <a:t>PitchItup</a:t>
+              <a:t>- Having hard time </a:t>
             </a:r>
             <a:br/>
             <a:r>
@@ -3256,7 +3217,7 @@
                 </a:solidFill>
                 <a:latin typeface="Calibri"/>
               </a:rPr>
-              <a:t>PitchItup - A pitch deck nindot generator</a:t>
+              <a:t>-  dakog ulok</a:t>
             </a:r>
           </a:p>
         </p:txBody>
@@ -3318,7 +3279,7 @@
         </p:nvSpPr>
         <p:spPr>
           <a:xfrm rot="0">
-            <a:off x="95250" y="95250"/>
+            <a:off x="476250" y="1905000"/>
             <a:ext cx="8858250" cy="952500"/>
           </a:xfrm>
           <a:prstGeom prst="rect"/>
@@ -3338,7 +3299,7 @@
                 </a:solidFill>
                 <a:latin typeface="Calibri"/>
               </a:rPr>
-              <a:t>Need more info?</a:t>
+              <a:t>Our Solution </a:t>
             </a:r>
           </a:p>
         </p:txBody>
@@ -3351,7 +3312,7 @@
         </p:nvSpPr>
         <p:spPr>
           <a:xfrm rot="0">
-            <a:off x="95250" y="952500"/>
+            <a:off x="476250" y="3810000"/>
             <a:ext cx="8858250" cy="5715000"/>
           </a:xfrm>
           <a:prstGeom prst="rect"/>
@@ -3365,13 +3326,13 @@
           <a:p>
             <a:pPr algn="l" fontAlgn="base" indent="0" lvl="0"/>
             <a:r>
-              <a:rPr b="false" i="false" strike="noStrike" sz="3600" u="none">
+              <a:rPr b="true" i="false" strike="noStrike" sz="4200" u="none">
                 <a:solidFill>
                   <a:srgbClr val="00000"/>
                 </a:solidFill>
                 <a:latin typeface="Calibri"/>
               </a:rPr>
-              <a:t>Check the project site on CodePlex:</a:t>
+              <a:t>"PitchItup"</a:t>
             </a:r>
             <a:br/>
             <a:r>
@@ -3381,7 +3342,7 @@
                 </a:solidFill>
                 <a:latin typeface="Calibri"/>
               </a:rPr>
-              <a:t>    http://phppowerpoint.codeplex.com</a:t>
+              <a:t>PitchItup - A pitch deck nindot generator</a:t>
             </a:r>
           </a:p>
         </p:txBody>
@@ -3435,6 +3396,638 @@
           </a:prstGeom>
         </p:spPr>
       </p:pic>
+      <p:sp>
+        <p:nvSpPr>
+          <p:cNvPr id="2" name=""/>
+          <p:cNvSpPr txBox="1"/>
+          <p:nvPr/>
+        </p:nvSpPr>
+        <p:spPr>
+          <a:xfrm rot="0">
+            <a:off x="285750" y="3333750"/>
+            <a:ext cx="8858250" cy="952500"/>
+          </a:xfrm>
+          <a:prstGeom prst="rect"/>
+          <a:noFill/>
+        </p:spPr>
+        <p:txBody>
+          <a:bodyPr wrap="square" rtlCol="0">
+            <a:spAutoFit/>
+          </a:bodyPr>
+          <a:lstStyle/>
+          <a:p>
+            <a:pPr algn="l" fontAlgn="base" indent="0" lvl="0"/>
+            <a:r>
+              <a:rPr b="true" i="false" strike="noStrike" sz="4800" u="none">
+                <a:solidFill>
+                  <a:srgbClr val="00000"/>
+                </a:solidFill>
+                <a:latin typeface="Calibri"/>
+              </a:rPr>
+              <a:t>Benefits :</a:t>
+            </a:r>
+          </a:p>
+        </p:txBody>
+      </p:sp>
+      <p:sp>
+        <p:nvSpPr>
+          <p:cNvPr id="3" name=""/>
+          <p:cNvSpPr txBox="1"/>
+          <p:nvPr/>
+        </p:nvSpPr>
+        <p:spPr>
+          <a:xfrm rot="0">
+            <a:off x="285750" y="4286250"/>
+            <a:ext cx="8858250" cy="5715000"/>
+          </a:xfrm>
+          <a:prstGeom prst="rect"/>
+          <a:noFill/>
+        </p:spPr>
+        <p:txBody>
+          <a:bodyPr wrap="square" rtlCol="0">
+            <a:spAutoFit/>
+          </a:bodyPr>
+          <a:lstStyle/>
+          <a:p>
+            <a:pPr algn="l" fontAlgn="base" indent="0" lvl="0"/>
+            <a:r>
+              <a:rPr b="false" i="false" strike="noStrike" sz="3600" u="none">
+                <a:solidFill>
+                  <a:srgbClr val="00000"/>
+                </a:solidFill>
+                <a:latin typeface="Calibri"/>
+              </a:rPr>
+              <a:t>- Benefits hehe </a:t>
+            </a:r>
+            <a:br/>
+            <a:r>
+              <a:rPr b="false" i="false" strike="noStrike" sz="3600" u="none">
+                <a:solidFill>
+                  <a:srgbClr val="00000"/>
+                </a:solidFill>
+                <a:latin typeface="Calibri"/>
+              </a:rPr>
+              <a:t>- Benefits hehe </a:t>
+            </a:r>
+          </a:p>
+        </p:txBody>
+      </p:sp>
+      <p:sp>
+        <p:nvSpPr>
+          <p:cNvPr id="4" name=""/>
+          <p:cNvSpPr txBox="1"/>
+          <p:nvPr/>
+        </p:nvSpPr>
+        <p:spPr>
+          <a:xfrm rot="0">
+            <a:off x="6667500" y="3333750"/>
+            <a:ext cx="8858250" cy="952500"/>
+          </a:xfrm>
+          <a:prstGeom prst="rect"/>
+          <a:noFill/>
+        </p:spPr>
+        <p:txBody>
+          <a:bodyPr wrap="square" rtlCol="0">
+            <a:spAutoFit/>
+          </a:bodyPr>
+          <a:lstStyle/>
+          <a:p>
+            <a:pPr algn="l" fontAlgn="base" indent="0" lvl="0"/>
+            <a:r>
+              <a:rPr b="true" i="false" strike="noStrike" sz="4800" u="none">
+                <a:solidFill>
+                  <a:srgbClr val="00000"/>
+                </a:solidFill>
+                <a:latin typeface="Calibri"/>
+              </a:rPr>
+              <a:t>Features :</a:t>
+            </a:r>
+          </a:p>
+        </p:txBody>
+      </p:sp>
+      <p:sp>
+        <p:nvSpPr>
+          <p:cNvPr id="5" name=""/>
+          <p:cNvSpPr txBox="1"/>
+          <p:nvPr/>
+        </p:nvSpPr>
+        <p:spPr>
+          <a:xfrm rot="0">
+            <a:off x="6667500" y="4286250"/>
+            <a:ext cx="8858250" cy="5715000"/>
+          </a:xfrm>
+          <a:prstGeom prst="rect"/>
+          <a:noFill/>
+        </p:spPr>
+        <p:txBody>
+          <a:bodyPr wrap="square" rtlCol="0">
+            <a:spAutoFit/>
+          </a:bodyPr>
+          <a:lstStyle/>
+          <a:p>
+            <a:pPr algn="l" fontAlgn="base" indent="0" lvl="0"/>
+            <a:r>
+              <a:rPr b="false" i="false" strike="noStrike" sz="3600" u="none">
+                <a:solidFill>
+                  <a:srgbClr val="00000"/>
+                </a:solidFill>
+                <a:latin typeface="Calibri"/>
+              </a:rPr>
+              <a:t>- Features hehe </a:t>
+            </a:r>
+            <a:br/>
+            <a:r>
+              <a:rPr b="false" i="false" strike="noStrike" sz="3600" u="none">
+                <a:solidFill>
+                  <a:srgbClr val="00000"/>
+                </a:solidFill>
+                <a:latin typeface="Calibri"/>
+              </a:rPr>
+              <a:t>- Features hehe </a:t>
+            </a:r>
+          </a:p>
+        </p:txBody>
+      </p:sp>
+    </p:spTree>
+  </p:cSld>
+  <p:clrMapOvr>
+    <a:masterClrMapping/>
+  </p:clrMapOvr>
+</p:sld>
+</file>
+
+<file path=ppt/slides/slide6.xml><?xml version="1.0" encoding="utf-8"?>
+<p:sld xmlns:a="http://schemas.openxmlformats.org/drawingml/2006/main" xmlns:r="http://schemas.openxmlformats.org/officeDocument/2006/relationships" xmlns:p="http://schemas.openxmlformats.org/presentationml/2006/main">
+  <p:cSld>
+    <p:spTree>
+      <p:nvGrpSpPr>
+        <p:cNvPr id="1" name=""/>
+        <p:cNvGrpSpPr/>
+        <p:nvPr/>
+      </p:nvGrpSpPr>
+      <p:grpSpPr>
+        <a:xfrm>
+          <a:off x="0" y="0"/>
+          <a:ext cx="0" cy="0"/>
+          <a:chOff x="0" y="0"/>
+          <a:chExt cx="0" cy="0"/>
+        </a:xfrm>
+      </p:grpSpPr>
+      <p:pic>
+        <p:nvPicPr>
+          <p:cNvPr id="1" name="Background" descr="Background"/>
+          <p:cNvPicPr>
+            <a:picLocks noChangeAspect="1"/>
+          </p:cNvPicPr>
+          <p:nvPr/>
+        </p:nvPicPr>
+        <p:blipFill>
+          <a:blip r:embed="rId2"/>
+          <a:stretch>
+            <a:fillRect/>
+          </a:stretch>
+        </p:blipFill>
+        <p:spPr>
+          <a:xfrm rot="0">
+            <a:off x="0" y="0"/>
+            <a:ext cx="12201525" cy="6858000"/>
+          </a:xfrm>
+          <a:prstGeom prst="rect">
+            <a:avLst/>
+          </a:prstGeom>
+        </p:spPr>
+      </p:pic>
+      <p:sp>
+        <p:nvSpPr>
+          <p:cNvPr id="2" name=""/>
+          <p:cNvSpPr txBox="1"/>
+          <p:nvPr/>
+        </p:nvSpPr>
+        <p:spPr>
+          <a:xfrm rot="0">
+            <a:off x="285750" y="476250"/>
+            <a:ext cx="8858250" cy="952500"/>
+          </a:xfrm>
+          <a:prstGeom prst="rect"/>
+          <a:noFill/>
+        </p:spPr>
+        <p:txBody>
+          <a:bodyPr wrap="square" rtlCol="0">
+            <a:spAutoFit/>
+          </a:bodyPr>
+          <a:lstStyle/>
+          <a:p>
+            <a:pPr algn="l" fontAlgn="base" indent="0" lvl="0"/>
+            <a:r>
+              <a:rPr b="true" i="false" strike="noStrike" sz="3600" u="none">
+                <a:solidFill>
+                  <a:srgbClr val="FFFFFF"/>
+                </a:solidFill>
+                <a:latin typeface="Calibri"/>
+              </a:rPr>
+              <a:t>The Market </a:t>
+            </a:r>
+          </a:p>
+        </p:txBody>
+      </p:sp>
+      <p:sp>
+        <p:nvSpPr>
+          <p:cNvPr id="3" name=""/>
+          <p:cNvSpPr txBox="1"/>
+          <p:nvPr/>
+        </p:nvSpPr>
+        <p:spPr>
+          <a:xfrm rot="0">
+            <a:off x="7620000" y="1905000"/>
+            <a:ext cx="8858250" cy="952500"/>
+          </a:xfrm>
+          <a:prstGeom prst="rect"/>
+          <a:noFill/>
+        </p:spPr>
+        <p:txBody>
+          <a:bodyPr wrap="square" rtlCol="0">
+            <a:spAutoFit/>
+          </a:bodyPr>
+          <a:lstStyle/>
+          <a:p>
+            <a:pPr algn="l" fontAlgn="base" indent="0" lvl="0"/>
+            <a:r>
+              <a:rPr b="true" i="false" strike="noStrike" sz="3600" u="none">
+                <a:solidFill>
+                  <a:srgbClr val="FFFFFF"/>
+                </a:solidFill>
+                <a:latin typeface="Calibri"/>
+              </a:rPr>
+              <a:t>Channels :</a:t>
+            </a:r>
+          </a:p>
+        </p:txBody>
+      </p:sp>
+      <p:sp>
+        <p:nvSpPr>
+          <p:cNvPr id="4" name=""/>
+          <p:cNvSpPr txBox="1"/>
+          <p:nvPr/>
+        </p:nvSpPr>
+        <p:spPr>
+          <a:xfrm rot="0">
+            <a:off x="7620000" y="2857500"/>
+            <a:ext cx="8858250" cy="5715000"/>
+          </a:xfrm>
+          <a:prstGeom prst="rect"/>
+          <a:noFill/>
+        </p:spPr>
+        <p:txBody>
+          <a:bodyPr wrap="square" rtlCol="0">
+            <a:spAutoFit/>
+          </a:bodyPr>
+          <a:lstStyle/>
+          <a:p>
+            <a:pPr algn="l" fontAlgn="base" indent="0" lvl="0"/>
+            <a:r>
+              <a:rPr b="false" i="false" strike="noStrike" sz="2500" u="none">
+                <a:solidFill>
+                  <a:srgbClr val="FFFFFF"/>
+                </a:solidFill>
+                <a:latin typeface="Calibri"/>
+              </a:rPr>
+              <a:t>- Channels hehe </a:t>
+            </a:r>
+            <a:br/>
+            <a:r>
+              <a:rPr b="false" i="false" strike="noStrike" sz="2500" u="none">
+                <a:solidFill>
+                  <a:srgbClr val="FFFFFF"/>
+                </a:solidFill>
+                <a:latin typeface="Calibri"/>
+              </a:rPr>
+              <a:t>- Channels hehe </a:t>
+            </a:r>
+          </a:p>
+        </p:txBody>
+      </p:sp>
+    </p:spTree>
+  </p:cSld>
+  <p:clrMapOvr>
+    <a:masterClrMapping/>
+  </p:clrMapOvr>
+</p:sld>
+</file>
+
+<file path=ppt/slides/slide7.xml><?xml version="1.0" encoding="utf-8"?>
+<p:sld xmlns:a="http://schemas.openxmlformats.org/drawingml/2006/main" xmlns:r="http://schemas.openxmlformats.org/officeDocument/2006/relationships" xmlns:p="http://schemas.openxmlformats.org/presentationml/2006/main">
+  <p:cSld>
+    <p:spTree>
+      <p:nvGrpSpPr>
+        <p:cNvPr id="1" name=""/>
+        <p:cNvGrpSpPr/>
+        <p:nvPr/>
+      </p:nvGrpSpPr>
+      <p:grpSpPr>
+        <a:xfrm>
+          <a:off x="0" y="0"/>
+          <a:ext cx="0" cy="0"/>
+          <a:chOff x="0" y="0"/>
+          <a:chExt cx="0" cy="0"/>
+        </a:xfrm>
+      </p:grpSpPr>
+      <p:pic>
+        <p:nvPicPr>
+          <p:cNvPr id="1" name="Background" descr="Background"/>
+          <p:cNvPicPr>
+            <a:picLocks noChangeAspect="1"/>
+          </p:cNvPicPr>
+          <p:nvPr/>
+        </p:nvPicPr>
+        <p:blipFill>
+          <a:blip r:embed="rId2"/>
+          <a:stretch>
+            <a:fillRect/>
+          </a:stretch>
+        </p:blipFill>
+        <p:spPr>
+          <a:xfrm rot="0">
+            <a:off x="0" y="0"/>
+            <a:ext cx="12201525" cy="6858000"/>
+          </a:xfrm>
+          <a:prstGeom prst="rect">
+            <a:avLst/>
+          </a:prstGeom>
+        </p:spPr>
+      </p:pic>
+      <p:sp>
+        <p:nvSpPr>
+          <p:cNvPr id="2" name=""/>
+          <p:cNvSpPr txBox="1"/>
+          <p:nvPr/>
+        </p:nvSpPr>
+        <p:spPr>
+          <a:xfrm rot="0">
+            <a:off x="285750" y="4762500"/>
+            <a:ext cx="8858250" cy="952500"/>
+          </a:xfrm>
+          <a:prstGeom prst="rect"/>
+          <a:noFill/>
+        </p:spPr>
+        <p:txBody>
+          <a:bodyPr wrap="square" rtlCol="0">
+            <a:spAutoFit/>
+          </a:bodyPr>
+          <a:lstStyle/>
+          <a:p>
+            <a:pPr algn="l" fontAlgn="base" indent="0" lvl="0"/>
+            <a:r>
+              <a:rPr b="false" i="false" strike="noStrike" sz="4800" u="none">
+                <a:solidFill>
+                  <a:srgbClr val="FFFFFF"/>
+                </a:solidFill>
+                <a:latin typeface="Calibri"/>
+              </a:rPr>
+              <a:t>BMC </a:t>
+            </a:r>
+          </a:p>
+        </p:txBody>
+      </p:sp>
+    </p:spTree>
+  </p:cSld>
+  <p:clrMapOvr>
+    <a:masterClrMapping/>
+  </p:clrMapOvr>
+</p:sld>
+</file>
+
+<file path=ppt/slides/slide8.xml><?xml version="1.0" encoding="utf-8"?>
+<p:sld xmlns:a="http://schemas.openxmlformats.org/drawingml/2006/main" xmlns:r="http://schemas.openxmlformats.org/officeDocument/2006/relationships" xmlns:p="http://schemas.openxmlformats.org/presentationml/2006/main">
+  <p:cSld>
+    <p:spTree>
+      <p:nvGrpSpPr>
+        <p:cNvPr id="1" name=""/>
+        <p:cNvGrpSpPr/>
+        <p:nvPr/>
+      </p:nvGrpSpPr>
+      <p:grpSpPr>
+        <a:xfrm>
+          <a:off x="0" y="0"/>
+          <a:ext cx="0" cy="0"/>
+          <a:chOff x="0" y="0"/>
+          <a:chExt cx="0" cy="0"/>
+        </a:xfrm>
+      </p:grpSpPr>
+      <p:pic>
+        <p:nvPicPr>
+          <p:cNvPr id="1" name="Background" descr="Background"/>
+          <p:cNvPicPr>
+            <a:picLocks noChangeAspect="1"/>
+          </p:cNvPicPr>
+          <p:nvPr/>
+        </p:nvPicPr>
+        <p:blipFill>
+          <a:blip r:embed="rId2"/>
+          <a:stretch>
+            <a:fillRect/>
+          </a:stretch>
+        </p:blipFill>
+        <p:spPr>
+          <a:xfrm rot="0">
+            <a:off x="0" y="0"/>
+            <a:ext cx="12201525" cy="6858000"/>
+          </a:xfrm>
+          <a:prstGeom prst="rect">
+            <a:avLst/>
+          </a:prstGeom>
+        </p:spPr>
+      </p:pic>
+      <p:sp>
+        <p:nvSpPr>
+          <p:cNvPr id="2" name=""/>
+          <p:cNvSpPr txBox="1"/>
+          <p:nvPr/>
+        </p:nvSpPr>
+        <p:spPr>
+          <a:xfrm rot="0">
+            <a:off x="3143250" y="476250"/>
+            <a:ext cx="8858250" cy="952500"/>
+          </a:xfrm>
+          <a:prstGeom prst="rect"/>
+          <a:noFill/>
+        </p:spPr>
+        <p:txBody>
+          <a:bodyPr wrap="square" rtlCol="0">
+            <a:spAutoFit/>
+          </a:bodyPr>
+          <a:lstStyle/>
+          <a:p>
+            <a:pPr algn="r" fontAlgn="base" indent="0" lvl="0"/>
+            <a:r>
+              <a:rPr b="false" i="false" strike="noStrike" sz="3600" u="none">
+                <a:solidFill>
+                  <a:srgbClr val="FFFFFF"/>
+                </a:solidFill>
+                <a:latin typeface="Calibri"/>
+              </a:rPr>
+              <a:t>How to make money ?</a:t>
+            </a:r>
+          </a:p>
+        </p:txBody>
+      </p:sp>
+      <p:sp>
+        <p:nvSpPr>
+          <p:cNvPr id="3" name=""/>
+          <p:cNvSpPr txBox="1"/>
+          <p:nvPr/>
+        </p:nvSpPr>
+        <p:spPr>
+          <a:xfrm rot="0">
+            <a:off x="95250" y="2857500"/>
+            <a:ext cx="8858250" cy="952500"/>
+          </a:xfrm>
+          <a:prstGeom prst="rect"/>
+          <a:noFill/>
+        </p:spPr>
+        <p:txBody>
+          <a:bodyPr wrap="square" rtlCol="0">
+            <a:spAutoFit/>
+          </a:bodyPr>
+          <a:lstStyle/>
+          <a:p>
+            <a:pPr algn="r" fontAlgn="base" indent="0" lvl="0"/>
+            <a:r>
+              <a:rPr b="true" i="false" strike="noStrike" sz="3600" u="none">
+                <a:solidFill>
+                  <a:srgbClr val="0000"/>
+                </a:solidFill>
+                <a:latin typeface="Calibri"/>
+              </a:rPr>
+              <a:t>Revenue Streams :</a:t>
+            </a:r>
+          </a:p>
+        </p:txBody>
+      </p:sp>
+      <p:sp>
+        <p:nvSpPr>
+          <p:cNvPr id="4" name=""/>
+          <p:cNvSpPr txBox="1"/>
+          <p:nvPr/>
+        </p:nvSpPr>
+        <p:spPr>
+          <a:xfrm rot="0">
+            <a:off x="-762000" y="3810000"/>
+            <a:ext cx="8858250" cy="5715000"/>
+          </a:xfrm>
+          <a:prstGeom prst="rect"/>
+          <a:noFill/>
+        </p:spPr>
+        <p:txBody>
+          <a:bodyPr wrap="square" rtlCol="0">
+            <a:spAutoFit/>
+          </a:bodyPr>
+          <a:lstStyle/>
+          <a:p>
+            <a:pPr algn="r" fontAlgn="base" indent="0" lvl="0"/>
+            <a:r>
+              <a:rPr b="false" i="false" strike="noStrike" sz="2800" u="none">
+                <a:solidFill>
+                  <a:srgbClr val="0000"/>
+                </a:solidFill>
+                <a:latin typeface="Calibri"/>
+              </a:rPr>
+              <a:t>- Channels hehe </a:t>
+            </a:r>
+            <a:br/>
+            <a:r>
+              <a:rPr b="false" i="false" strike="noStrike" sz="2800" u="none">
+                <a:solidFill>
+                  <a:srgbClr val="0000"/>
+                </a:solidFill>
+                <a:latin typeface="Calibri"/>
+              </a:rPr>
+              <a:t>- Channels hehe </a:t>
+            </a:r>
+          </a:p>
+        </p:txBody>
+      </p:sp>
+    </p:spTree>
+  </p:cSld>
+  <p:clrMapOvr>
+    <a:masterClrMapping/>
+  </p:clrMapOvr>
+</p:sld>
+</file>
+
+<file path=ppt/slides/slide9.xml><?xml version="1.0" encoding="utf-8"?>
+<p:sld xmlns:a="http://schemas.openxmlformats.org/drawingml/2006/main" xmlns:r="http://schemas.openxmlformats.org/officeDocument/2006/relationships" xmlns:p="http://schemas.openxmlformats.org/presentationml/2006/main">
+  <p:cSld>
+    <p:spTree>
+      <p:nvGrpSpPr>
+        <p:cNvPr id="1" name=""/>
+        <p:cNvGrpSpPr/>
+        <p:nvPr/>
+      </p:nvGrpSpPr>
+      <p:grpSpPr>
+        <a:xfrm>
+          <a:off x="0" y="0"/>
+          <a:ext cx="0" cy="0"/>
+          <a:chOff x="0" y="0"/>
+          <a:chExt cx="0" cy="0"/>
+        </a:xfrm>
+      </p:grpSpPr>
+      <p:pic>
+        <p:nvPicPr>
+          <p:cNvPr id="1" name="Background" descr="Background"/>
+          <p:cNvPicPr>
+            <a:picLocks noChangeAspect="1"/>
+          </p:cNvPicPr>
+          <p:nvPr/>
+        </p:nvPicPr>
+        <p:blipFill>
+          <a:blip r:embed="rId2"/>
+          <a:stretch>
+            <a:fillRect/>
+          </a:stretch>
+        </p:blipFill>
+        <p:spPr>
+          <a:xfrm rot="0">
+            <a:off x="0" y="0"/>
+            <a:ext cx="12201525" cy="6858000"/>
+          </a:xfrm>
+          <a:prstGeom prst="rect">
+            <a:avLst/>
+          </a:prstGeom>
+        </p:spPr>
+      </p:pic>
+      <p:sp>
+        <p:nvSpPr>
+          <p:cNvPr id="2" name=""/>
+          <p:cNvSpPr txBox="1"/>
+          <p:nvPr/>
+        </p:nvSpPr>
+        <p:spPr>
+          <a:xfrm rot="0">
+            <a:off x="285750" y="95250"/>
+            <a:ext cx="8858250" cy="952500"/>
+          </a:xfrm>
+          <a:prstGeom prst="rect"/>
+          <a:noFill/>
+        </p:spPr>
+        <p:txBody>
+          <a:bodyPr wrap="square" rtlCol="0">
+            <a:spAutoFit/>
+          </a:bodyPr>
+          <a:lstStyle/>
+          <a:p>
+            <a:pPr algn="l" fontAlgn="base" indent="0" lvl="0"/>
+            <a:r>
+              <a:rPr b="true" i="false" strike="noStrike" sz="3600" u="none">
+                <a:solidFill>
+                  <a:srgbClr val="0000"/>
+                </a:solidFill>
+                <a:latin typeface="Calibri"/>
+              </a:rPr>
+              <a:t>Competitors Analysist: </a:t>
+            </a:r>
+          </a:p>
+        </p:txBody>
+      </p:sp>
     </p:spTree>
   </p:cSld>
   <p:clrMapOvr>

--- a/powerpoint/Tests/PitchItup.pptx
+++ b/powerpoint/Tests/PitchItup.pptx
@@ -3000,7 +3000,7 @@
                 </a:solidFill>
                 <a:latin typeface="Calibri"/>
               </a:rPr>
-              <a:t>"Team Bahug Taler"</a:t>
+              <a:t>"Itghurls"</a:t>
             </a:r>
           </a:p>
         </p:txBody>
@@ -3092,7 +3092,7 @@
                 </a:solidFill>
                 <a:latin typeface="Calibri"/>
               </a:rPr>
-              <a:t>PitchItup - A pitch deck nindot generator</a:t>
+              <a:t>PitchItup - an auto generated pitchdeck</a:t>
             </a:r>
           </a:p>
         </p:txBody>
@@ -3207,7 +3207,7 @@
                 </a:solidFill>
                 <a:latin typeface="Calibri"/>
               </a:rPr>
-              <a:t>- Having hard time </a:t>
+              <a:t>- Having hard time creating pitchdeck</a:t>
             </a:r>
             <a:br/>
             <a:r>
@@ -3217,7 +3217,7 @@
                 </a:solidFill>
                 <a:latin typeface="Calibri"/>
               </a:rPr>
-              <a:t>-  dakog ulok</a:t>
+              <a:t>- </a:t>
             </a:r>
           </a:p>
         </p:txBody>
@@ -3342,7 +3342,7 @@
                 </a:solidFill>
                 <a:latin typeface="Calibri"/>
               </a:rPr>
-              <a:t>PitchItup - A pitch deck nindot generator</a:t>
+              <a:t>PitchItup - an auto generated pitchdeck</a:t>
             </a:r>
           </a:p>
         </p:txBody>

--- a/powerpoint/Tests/PitchItup.pptx
+++ b/powerpoint/Tests/PitchItup.pptx
@@ -3092,7 +3092,7 @@
                 </a:solidFill>
                 <a:latin typeface="Calibri"/>
               </a:rPr>
-              <a:t>PitchItup - an auto generated pitchdeck</a:t>
+              <a:t>PitchItup - a platform as a service for startup pitch deck.</a:t>
             </a:r>
           </a:p>
         </p:txBody>
@@ -3201,23 +3201,23 @@
           <a:p>
             <a:pPr algn="l" fontAlgn="base" indent="0" lvl="0"/>
             <a:r>
-              <a:rPr b="false" i="false" strike="noStrike" sz="3600" u="none">
+              <a:rPr b="false" i="false" strike="noStrike" sz="2500" u="none">
                 <a:solidFill>
                   <a:srgbClr val="00000"/>
                 </a:solidFill>
                 <a:latin typeface="Calibri"/>
               </a:rPr>
-              <a:t>- Having hard time creating pitchdeck</a:t>
+              <a:t>- Having hard time creating pitch deck</a:t>
             </a:r>
             <a:br/>
             <a:r>
-              <a:rPr b="false" i="false" strike="noStrike" sz="3600" u="none">
+              <a:rPr b="false" i="false" strike="noStrike" sz="2500" u="none">
                 <a:solidFill>
                   <a:srgbClr val="00000"/>
                 </a:solidFill>
                 <a:latin typeface="Calibri"/>
               </a:rPr>
-              <a:t>- </a:t>
+              <a:t>-  having hard time finding templates</a:t>
             </a:r>
           </a:p>
         </p:txBody>
@@ -3342,7 +3342,7 @@
                 </a:solidFill>
                 <a:latin typeface="Calibri"/>
               </a:rPr>
-              <a:t>PitchItup - an auto generated pitchdeck</a:t>
+              <a:t>PitchItup - a platform as a service for startup pitch deck.</a:t>
             </a:r>
           </a:p>
         </p:txBody>
@@ -3457,17 +3457,7 @@
                 </a:solidFill>
                 <a:latin typeface="Calibri"/>
               </a:rPr>
-              <a:t>- Benefits hehe </a:t>
-            </a:r>
-            <a:br/>
-            <a:r>
-              <a:rPr b="false" i="false" strike="noStrike" sz="3600" u="none">
-                <a:solidFill>
-                  <a:srgbClr val="00000"/>
-                </a:solidFill>
-                <a:latin typeface="Calibri"/>
-              </a:rPr>
-              <a:t>- Benefits hehe </a:t>
+              <a:t>- Befmwkniwjk</a:t>
             </a:r>
           </a:p>
         </p:txBody>
@@ -3533,17 +3523,7 @@
                 </a:solidFill>
                 <a:latin typeface="Calibri"/>
               </a:rPr>
-              <a:t>- Features hehe </a:t>
-            </a:r>
-            <a:br/>
-            <a:r>
-              <a:rPr b="false" i="false" strike="noStrike" sz="3600" u="none">
-                <a:solidFill>
-                  <a:srgbClr val="00000"/>
-                </a:solidFill>
-                <a:latin typeface="Calibri"/>
-              </a:rPr>
-              <a:t>- Features hehe </a:t>
+              <a:t>- ijbwyuvew7beuh</a:t>
             </a:r>
           </a:p>
         </p:txBody>
@@ -3691,17 +3671,7 @@
                 </a:solidFill>
                 <a:latin typeface="Calibri"/>
               </a:rPr>
-              <a:t>- Channels hehe </a:t>
-            </a:r>
-            <a:br/>
-            <a:r>
-              <a:rPr b="false" i="false" strike="noStrike" sz="2500" u="none">
-                <a:solidFill>
-                  <a:srgbClr val="FFFFFF"/>
-                </a:solidFill>
-                <a:latin typeface="Calibri"/>
-              </a:rPr>
-              <a:t>- Channels hehe </a:t>
+              <a:t>- gybgbhj</a:t>
             </a:r>
           </a:p>
         </p:txBody>
@@ -3783,7 +3753,7 @@
                 </a:solidFill>
                 <a:latin typeface="Calibri"/>
               </a:rPr>
-              <a:t>BMC </a:t>
+              <a:t>- iubg</a:t>
             </a:r>
           </a:p>
         </p:txBody>
@@ -3931,17 +3901,7 @@
                 </a:solidFill>
                 <a:latin typeface="Calibri"/>
               </a:rPr>
-              <a:t>- Channels hehe </a:t>
-            </a:r>
-            <a:br/>
-            <a:r>
-              <a:rPr b="false" i="false" strike="noStrike" sz="2800" u="none">
-                <a:solidFill>
-                  <a:srgbClr val="0000"/>
-                </a:solidFill>
-                <a:latin typeface="Calibri"/>
-              </a:rPr>
-              <a:t>- Channels hehe </a:t>
+              <a:t>- buuhjbh</a:t>
             </a:r>
           </a:p>
         </p:txBody>
@@ -4024,6 +3984,39 @@
                 <a:latin typeface="Calibri"/>
               </a:rPr>
               <a:t>Competitors Analysist: </a:t>
+            </a:r>
+          </a:p>
+        </p:txBody>
+      </p:sp>
+      <p:sp>
+        <p:nvSpPr>
+          <p:cNvPr id="3" name=""/>
+          <p:cNvSpPr txBox="1"/>
+          <p:nvPr/>
+        </p:nvSpPr>
+        <p:spPr>
+          <a:xfrm rot="0">
+            <a:off x="571500" y="762000"/>
+            <a:ext cx="8858250" cy="952500"/>
+          </a:xfrm>
+          <a:prstGeom prst="rect"/>
+          <a:noFill/>
+        </p:spPr>
+        <p:txBody>
+          <a:bodyPr wrap="square" rtlCol="0">
+            <a:spAutoFit/>
+          </a:bodyPr>
+          <a:lstStyle/>
+          <a:p>
+            <a:pPr algn="l" fontAlgn="base" indent="0" lvl="0"/>
+            <a:r>
+              <a:rPr b="false" i="false" strike="noStrike" sz="2800" u="none">
+                <a:solidFill>
+                  <a:srgbClr val="0000"/>
+                </a:solidFill>
+                <a:latin typeface="Calibri"/>
+              </a:rPr>
+              <a:t>- jbwuvwuevhkjwev</a:t>
             </a:r>
           </a:p>
         </p:txBody>

--- a/powerpoint/Tests/PitchItup.pptx
+++ b/powerpoint/Tests/PitchItup.pptx
@@ -3000,7 +3000,7 @@
                 </a:solidFill>
                 <a:latin typeface="Calibri"/>
               </a:rPr>
-              <a:t>"Itghurls"</a:t>
+              <a:t>"Team Bahug Taler"</a:t>
             </a:r>
           </a:p>
         </p:txBody>
@@ -3092,7 +3092,7 @@
                 </a:solidFill>
                 <a:latin typeface="Calibri"/>
               </a:rPr>
-              <a:t>PitchItup - a platform as a service for startup pitch deck.</a:t>
+              <a:t>PitchItup - A pitch deck nindot generator</a:t>
             </a:r>
           </a:p>
         </p:txBody>
@@ -3207,7 +3207,7 @@
                 </a:solidFill>
                 <a:latin typeface="Calibri"/>
               </a:rPr>
-              <a:t>- Having hard time creating pitch deck</a:t>
+              <a:t>- Having hard time </a:t>
             </a:r>
             <a:br/>
             <a:r>
@@ -3217,7 +3217,7 @@
                 </a:solidFill>
                 <a:latin typeface="Calibri"/>
               </a:rPr>
-              <a:t>-  having hard time finding templates</a:t>
+              <a:t>-  dakog ulok</a:t>
             </a:r>
           </a:p>
         </p:txBody>
@@ -3342,7 +3342,7 @@
                 </a:solidFill>
                 <a:latin typeface="Calibri"/>
               </a:rPr>
-              <a:t>PitchItup - a platform as a service for startup pitch deck.</a:t>
+              <a:t>PitchItup - A pitch deck nindot generator</a:t>
             </a:r>
           </a:p>
         </p:txBody>
@@ -3457,7 +3457,7 @@
                 </a:solidFill>
                 <a:latin typeface="Calibri"/>
               </a:rPr>
-              <a:t>- Befmwkniwjk</a:t>
+              <a:t>- asd</a:t>
             </a:r>
           </a:p>
         </p:txBody>
@@ -3523,7 +3523,7 @@
                 </a:solidFill>
                 <a:latin typeface="Calibri"/>
               </a:rPr>
-              <a:t>- ijbwyuvew7beuh</a:t>
+              <a:t>- asd</a:t>
             </a:r>
           </a:p>
         </p:txBody>
@@ -3671,7 +3671,7 @@
                 </a:solidFill>
                 <a:latin typeface="Calibri"/>
               </a:rPr>
-              <a:t>- gybgbhj</a:t>
+              <a:t>- asdsa</a:t>
             </a:r>
           </a:p>
         </p:txBody>
@@ -3753,7 +3753,7 @@
                 </a:solidFill>
                 <a:latin typeface="Calibri"/>
               </a:rPr>
-              <a:t>- iubg</a:t>
+              <a:t>- asdsa</a:t>
             </a:r>
           </a:p>
         </p:txBody>
@@ -3901,7 +3901,7 @@
                 </a:solidFill>
                 <a:latin typeface="Calibri"/>
               </a:rPr>
-              <a:t>- buuhjbh</a:t>
+              <a:t>- asdas</a:t>
             </a:r>
           </a:p>
         </p:txBody>
@@ -4016,7 +4016,7 @@
                 </a:solidFill>
                 <a:latin typeface="Calibri"/>
               </a:rPr>
-              <a:t>- jbwuvwuevhkjwev</a:t>
+              <a:t>- asd</a:t>
             </a:r>
           </a:p>
         </p:txBody>

--- a/powerpoint/Tests/PitchItup.pptx
+++ b/powerpoint/Tests/PitchItup.pptx
@@ -3000,7 +3000,7 @@
                 </a:solidFill>
                 <a:latin typeface="Calibri"/>
               </a:rPr>
-              <a:t>"Team Bahug Taler"</a:t>
+              <a:t>"Itghurls"</a:t>
             </a:r>
           </a:p>
         </p:txBody>
@@ -3092,7 +3092,7 @@
                 </a:solidFill>
                 <a:latin typeface="Calibri"/>
               </a:rPr>
-              <a:t>PitchItup - A pitch deck nindot generator</a:t>
+              <a:t>PitchItup - a platform as a service for startup pitch deck.</a:t>
             </a:r>
           </a:p>
         </p:txBody>
@@ -3207,7 +3207,7 @@
                 </a:solidFill>
                 <a:latin typeface="Calibri"/>
               </a:rPr>
-              <a:t>- Having hard time </a:t>
+              <a:t>- Having hard time creating pitch deck</a:t>
             </a:r>
             <a:br/>
             <a:r>
@@ -3217,7 +3217,7 @@
                 </a:solidFill>
                 <a:latin typeface="Calibri"/>
               </a:rPr>
-              <a:t>-  dakog ulok</a:t>
+              <a:t>-  having hard time finding templates</a:t>
             </a:r>
           </a:p>
         </p:txBody>
@@ -3342,7 +3342,7 @@
                 </a:solidFill>
                 <a:latin typeface="Calibri"/>
               </a:rPr>
-              <a:t>PitchItup - A pitch deck nindot generator</a:t>
+              <a:t>PitchItup - a platform as a service for startup pitch deck.</a:t>
             </a:r>
           </a:p>
         </p:txBody>
@@ -3457,7 +3457,7 @@
                 </a:solidFill>
                 <a:latin typeface="Calibri"/>
               </a:rPr>
-              <a:t>- asd</a:t>
+              <a:t>- Befmwkniwjk</a:t>
             </a:r>
           </a:p>
         </p:txBody>
@@ -3523,7 +3523,7 @@
                 </a:solidFill>
                 <a:latin typeface="Calibri"/>
               </a:rPr>
-              <a:t>- asd</a:t>
+              <a:t>- ijbwyuvew7beuh</a:t>
             </a:r>
           </a:p>
         </p:txBody>
@@ -3671,7 +3671,7 @@
                 </a:solidFill>
                 <a:latin typeface="Calibri"/>
               </a:rPr>
-              <a:t>- asdsa</a:t>
+              <a:t>- gybgbhj</a:t>
             </a:r>
           </a:p>
         </p:txBody>
@@ -3753,7 +3753,7 @@
                 </a:solidFill>
                 <a:latin typeface="Calibri"/>
               </a:rPr>
-              <a:t>- asdsa</a:t>
+              <a:t>- iubg</a:t>
             </a:r>
           </a:p>
         </p:txBody>
@@ -3901,7 +3901,7 @@
                 </a:solidFill>
                 <a:latin typeface="Calibri"/>
               </a:rPr>
-              <a:t>- asdas</a:t>
+              <a:t>- buuhjbh</a:t>
             </a:r>
           </a:p>
         </p:txBody>
@@ -4016,7 +4016,7 @@
                 </a:solidFill>
                 <a:latin typeface="Calibri"/>
               </a:rPr>
-              <a:t>- asd</a:t>
+              <a:t>- jbwuvwuevhkjwev</a:t>
             </a:r>
           </a:p>
         </p:txBody>

--- a/powerpoint/Tests/PitchItup.pptx
+++ b/powerpoint/Tests/PitchItup.pptx
@@ -3000,7 +3000,7 @@
                 </a:solidFill>
                 <a:latin typeface="Calibri"/>
               </a:rPr>
-              <a:t>"Itghurls"</a:t>
+              <a:t>"Team Bahug Taler"</a:t>
             </a:r>
           </a:p>
         </p:txBody>
@@ -3092,7 +3092,7 @@
                 </a:solidFill>
                 <a:latin typeface="Calibri"/>
               </a:rPr>
-              <a:t>PitchItup - a platform as a service for startup pitch deck.</a:t>
+              <a:t>PitchItup - A pitch deck nindot generatoraa</a:t>
             </a:r>
           </a:p>
         </p:txBody>
@@ -3207,7 +3207,7 @@
                 </a:solidFill>
                 <a:latin typeface="Calibri"/>
               </a:rPr>
-              <a:t>- Having hard time creating pitch deck</a:t>
+              <a:t>- Having hard time </a:t>
             </a:r>
             <a:br/>
             <a:r>
@@ -3217,7 +3217,7 @@
                 </a:solidFill>
                 <a:latin typeface="Calibri"/>
               </a:rPr>
-              <a:t>-  having hard time finding templates</a:t>
+              <a:t>-  dakog ulok</a:t>
             </a:r>
           </a:p>
         </p:txBody>
@@ -3342,7 +3342,7 @@
                 </a:solidFill>
                 <a:latin typeface="Calibri"/>
               </a:rPr>
-              <a:t>PitchItup - a platform as a service for startup pitch deck.</a:t>
+              <a:t>PitchItup - A pitch deck nindot generatoraa</a:t>
             </a:r>
           </a:p>
         </p:txBody>
@@ -3457,7 +3457,7 @@
                 </a:solidFill>
                 <a:latin typeface="Calibri"/>
               </a:rPr>
-              <a:t>- Befmwkniwjk</a:t>
+              <a:t>- agagaga</a:t>
             </a:r>
           </a:p>
         </p:txBody>
@@ -3523,7 +3523,7 @@
                 </a:solidFill>
                 <a:latin typeface="Calibri"/>
               </a:rPr>
-              <a:t>- ijbwyuvew7beuh</a:t>
+              <a:t>- asd</a:t>
             </a:r>
           </a:p>
         </p:txBody>
@@ -3671,7 +3671,7 @@
                 </a:solidFill>
                 <a:latin typeface="Calibri"/>
               </a:rPr>
-              <a:t>- gybgbhj</a:t>
+              <a:t>- asdsa</a:t>
             </a:r>
           </a:p>
         </p:txBody>
@@ -3753,7 +3753,7 @@
                 </a:solidFill>
                 <a:latin typeface="Calibri"/>
               </a:rPr>
-              <a:t>- iubg</a:t>
+              <a:t>- asdsa</a:t>
             </a:r>
           </a:p>
         </p:txBody>
@@ -3901,7 +3901,7 @@
                 </a:solidFill>
                 <a:latin typeface="Calibri"/>
               </a:rPr>
-              <a:t>- buuhjbh</a:t>
+              <a:t>- asdas</a:t>
             </a:r>
           </a:p>
         </p:txBody>
@@ -4016,7 +4016,7 @@
                 </a:solidFill>
                 <a:latin typeface="Calibri"/>
               </a:rPr>
-              <a:t>- jbwuvwuevhkjwev</a:t>
+              <a:t>- asd</a:t>
             </a:r>
           </a:p>
         </p:txBody>
